--- a/Deep Learning w 15 min.pptx
+++ b/Deep Learning w 15 min.pptx
@@ -114,6 +114,11 @@
       </a:defRPr>
     </a:lvl9pPr>
   </p:defaultTextStyle>
+  <p:extLst>
+    <p:ext uri="{EFAFB233-063F-42B5-8137-9DF3F51BA10A}">
+      <p15:sldGuideLst xmlns:p15="http://schemas.microsoft.com/office/powerpoint/2012/main"/>
+    </p:ext>
+  </p:extLst>
 </p:presentation>
 </file>
 
@@ -199,7 +204,7 @@
           <a:p>
             <a:fld id="{C373A4BB-E593-4971-A63B-6841AAE3351B}" type="datetimeFigureOut">
               <a:rPr lang="pl-PL" smtClean="0"/>
-              <a:t>30.05.2019</a:t>
+              <a:t>03.06.2019</a:t>
             </a:fld>
             <a:endParaRPr lang="pl-PL"/>
           </a:p>
@@ -263,38 +268,37 @@
           <a:p>
             <a:pPr lvl="0"/>
             <a:r>
-              <a:rPr lang="pl-PL" smtClean="0"/>
+              <a:rPr lang="pl-PL"/>
               <a:t>Edytuj style wzorca tekstu</a:t>
             </a:r>
           </a:p>
           <a:p>
             <a:pPr lvl="1"/>
             <a:r>
-              <a:rPr lang="pl-PL" smtClean="0"/>
+              <a:rPr lang="pl-PL"/>
               <a:t>Drugi poziom</a:t>
             </a:r>
           </a:p>
           <a:p>
             <a:pPr lvl="2"/>
             <a:r>
-              <a:rPr lang="pl-PL" smtClean="0"/>
+              <a:rPr lang="pl-PL"/>
               <a:t>Trzeci poziom</a:t>
             </a:r>
           </a:p>
           <a:p>
             <a:pPr lvl="3"/>
             <a:r>
-              <a:rPr lang="pl-PL" smtClean="0"/>
+              <a:rPr lang="pl-PL"/>
               <a:t>Czwarty poziom</a:t>
             </a:r>
           </a:p>
           <a:p>
             <a:pPr lvl="4"/>
             <a:r>
-              <a:rPr lang="pl-PL" smtClean="0"/>
+              <a:rPr lang="pl-PL"/>
               <a:t>Piąty poziom</a:t>
             </a:r>
-            <a:endParaRPr lang="pl-PL"/>
           </a:p>
         </p:txBody>
       </p:sp>
@@ -512,15 +516,15 @@
           <a:lstStyle/>
           <a:p>
             <a:r>
-              <a:rPr lang="pl-PL" dirty="0" err="1" smtClean="0"/>
+              <a:rPr lang="pl-PL" dirty="0" err="1"/>
               <a:t>Deep</a:t>
             </a:r>
             <a:r>
-              <a:rPr lang="pl-PL" dirty="0" smtClean="0"/>
+              <a:rPr lang="pl-PL" dirty="0"/>
               <a:t> Learning jest częścią dziedziny wiedzy nazywającej się „Sztuczna Inteligencja”.</a:t>
             </a:r>
             <a:r>
-              <a:rPr lang="pl-PL" baseline="0" dirty="0" smtClean="0"/>
+              <a:rPr lang="pl-PL" baseline="0" dirty="0"/>
               <a:t> Jest to pomysł z lat 80, zrealizowany poprzez stworzenie algorytmów pozwalających na uczenie wielowarstwowych sieci neuronowych, tak, żeby każda kolejna warstwa mogła wyciągać coraz bardziej </a:t>
             </a:r>
             <a:endParaRPr lang="pl-PL" dirty="0"/>
@@ -608,51 +612,51 @@
           <a:lstStyle/>
           <a:p>
             <a:r>
-              <a:rPr lang="pl-PL" dirty="0" smtClean="0"/>
+              <a:rPr lang="pl-PL" dirty="0"/>
               <a:t>Sieci neuronowe opierają się na koncepcji </a:t>
             </a:r>
             <a:r>
-              <a:rPr lang="pl-PL" dirty="0" err="1" smtClean="0"/>
+              <a:rPr lang="pl-PL" dirty="0" err="1"/>
               <a:t>perceptrona</a:t>
             </a:r>
             <a:r>
-              <a:rPr lang="pl-PL" dirty="0" smtClean="0"/>
+              <a:rPr lang="pl-PL" dirty="0"/>
               <a:t>, czyli funkcji</a:t>
             </a:r>
             <a:r>
-              <a:rPr lang="pl-PL" baseline="0" dirty="0" smtClean="0"/>
+              <a:rPr lang="pl-PL" baseline="0" dirty="0"/>
               <a:t>, która na podstawie wielu wejść z przypisanymi im wagami, oraz </a:t>
             </a:r>
             <a:r>
-              <a:rPr lang="pl-PL" baseline="0" dirty="0" err="1" smtClean="0"/>
+              <a:rPr lang="pl-PL" baseline="0" dirty="0" err="1"/>
               <a:t>biasu</a:t>
             </a:r>
             <a:r>
-              <a:rPr lang="pl-PL" baseline="0" dirty="0" smtClean="0"/>
+              <a:rPr lang="pl-PL" baseline="0" dirty="0"/>
               <a:t> B zwracają 0 lub 1. Po jakimś czasie okazało się, że właściwości </a:t>
             </a:r>
             <a:r>
-              <a:rPr lang="pl-PL" baseline="0" dirty="0" err="1" smtClean="0"/>
+              <a:rPr lang="pl-PL" baseline="0" dirty="0" err="1"/>
               <a:t>perceptrona</a:t>
             </a:r>
             <a:r>
-              <a:rPr lang="pl-PL" baseline="0" dirty="0" smtClean="0"/>
+              <a:rPr lang="pl-PL" baseline="0" dirty="0"/>
               <a:t>, czyli silna (z 0 na 1) zmiana wyjścia w przypadku małej zmiany na wejściu powoduje problemy z uczeniem (czyli dobieraniem współczynników), dlatego powstały </a:t>
             </a:r>
             <a:r>
-              <a:rPr lang="pl-PL" baseline="0" dirty="0" err="1" smtClean="0"/>
+              <a:rPr lang="pl-PL" baseline="0" dirty="0" err="1"/>
               <a:t>kjoncepcje</a:t>
             </a:r>
             <a:r>
-              <a:rPr lang="pl-PL" baseline="0" dirty="0" smtClean="0"/>
+              <a:rPr lang="pl-PL" baseline="0" dirty="0"/>
               <a:t> różnych „funkcji aktywacji”, które </a:t>
             </a:r>
             <a:r>
-              <a:rPr lang="pl-PL" baseline="0" dirty="0" err="1" smtClean="0"/>
+              <a:rPr lang="pl-PL" baseline="0" dirty="0" err="1"/>
               <a:t>sa</a:t>
             </a:r>
             <a:r>
-              <a:rPr lang="pl-PL" baseline="0" dirty="0" smtClean="0"/>
+              <a:rPr lang="pl-PL" baseline="0" dirty="0"/>
               <a:t> bardziej płynne.</a:t>
             </a:r>
             <a:endParaRPr lang="pl-PL" dirty="0"/>
@@ -737,10 +741,9 @@
           </a:lstStyle>
           <a:p>
             <a:r>
-              <a:rPr lang="pl-PL" smtClean="0"/>
+              <a:rPr lang="pl-PL"/>
               <a:t>Kliknij, aby edytować styl</a:t>
             </a:r>
-            <a:endParaRPr lang="pl-PL"/>
           </a:p>
         </p:txBody>
       </p:sp>
@@ -802,10 +805,9 @@
           </a:lstStyle>
           <a:p>
             <a:r>
-              <a:rPr lang="pl-PL" smtClean="0"/>
+              <a:rPr lang="pl-PL"/>
               <a:t>Kliknij, aby edytować styl wzorca podtytułu</a:t>
             </a:r>
-            <a:endParaRPr lang="pl-PL"/>
           </a:p>
         </p:txBody>
       </p:sp>
@@ -826,7 +828,7 @@
           <a:p>
             <a:fld id="{81AE7918-5EC6-4B52-A426-63415FD61F02}" type="datetimeFigureOut">
               <a:rPr lang="pl-PL" smtClean="0"/>
-              <a:t>30.05.2019</a:t>
+              <a:t>03.06.2019</a:t>
             </a:fld>
             <a:endParaRPr lang="pl-PL"/>
           </a:p>
@@ -920,10 +922,9 @@
           <a:lstStyle/>
           <a:p>
             <a:r>
-              <a:rPr lang="pl-PL" smtClean="0"/>
+              <a:rPr lang="pl-PL"/>
               <a:t>Kliknij, aby edytować styl</a:t>
             </a:r>
-            <a:endParaRPr lang="pl-PL"/>
           </a:p>
         </p:txBody>
       </p:sp>
@@ -944,38 +945,37 @@
           <a:p>
             <a:pPr lvl="0"/>
             <a:r>
-              <a:rPr lang="pl-PL" smtClean="0"/>
+              <a:rPr lang="pl-PL"/>
               <a:t>Edytuj style wzorca tekstu</a:t>
             </a:r>
           </a:p>
           <a:p>
             <a:pPr lvl="1"/>
             <a:r>
-              <a:rPr lang="pl-PL" smtClean="0"/>
+              <a:rPr lang="pl-PL"/>
               <a:t>Drugi poziom</a:t>
             </a:r>
           </a:p>
           <a:p>
             <a:pPr lvl="2"/>
             <a:r>
-              <a:rPr lang="pl-PL" smtClean="0"/>
+              <a:rPr lang="pl-PL"/>
               <a:t>Trzeci poziom</a:t>
             </a:r>
           </a:p>
           <a:p>
             <a:pPr lvl="3"/>
             <a:r>
-              <a:rPr lang="pl-PL" smtClean="0"/>
+              <a:rPr lang="pl-PL"/>
               <a:t>Czwarty poziom</a:t>
             </a:r>
           </a:p>
           <a:p>
             <a:pPr lvl="4"/>
             <a:r>
-              <a:rPr lang="pl-PL" smtClean="0"/>
+              <a:rPr lang="pl-PL"/>
               <a:t>Piąty poziom</a:t>
             </a:r>
-            <a:endParaRPr lang="pl-PL"/>
           </a:p>
         </p:txBody>
       </p:sp>
@@ -996,7 +996,7 @@
           <a:p>
             <a:fld id="{81AE7918-5EC6-4B52-A426-63415FD61F02}" type="datetimeFigureOut">
               <a:rPr lang="pl-PL" smtClean="0"/>
-              <a:t>30.05.2019</a:t>
+              <a:t>03.06.2019</a:t>
             </a:fld>
             <a:endParaRPr lang="pl-PL"/>
           </a:p>
@@ -1095,10 +1095,9 @@
           <a:lstStyle/>
           <a:p>
             <a:r>
-              <a:rPr lang="pl-PL" smtClean="0"/>
+              <a:rPr lang="pl-PL"/>
               <a:t>Kliknij, aby edytować styl</a:t>
             </a:r>
-            <a:endParaRPr lang="pl-PL"/>
           </a:p>
         </p:txBody>
       </p:sp>
@@ -1124,38 +1123,37 @@
           <a:p>
             <a:pPr lvl="0"/>
             <a:r>
-              <a:rPr lang="pl-PL" smtClean="0"/>
+              <a:rPr lang="pl-PL"/>
               <a:t>Edytuj style wzorca tekstu</a:t>
             </a:r>
           </a:p>
           <a:p>
             <a:pPr lvl="1"/>
             <a:r>
-              <a:rPr lang="pl-PL" smtClean="0"/>
+              <a:rPr lang="pl-PL"/>
               <a:t>Drugi poziom</a:t>
             </a:r>
           </a:p>
           <a:p>
             <a:pPr lvl="2"/>
             <a:r>
-              <a:rPr lang="pl-PL" smtClean="0"/>
+              <a:rPr lang="pl-PL"/>
               <a:t>Trzeci poziom</a:t>
             </a:r>
           </a:p>
           <a:p>
             <a:pPr lvl="3"/>
             <a:r>
-              <a:rPr lang="pl-PL" smtClean="0"/>
+              <a:rPr lang="pl-PL"/>
               <a:t>Czwarty poziom</a:t>
             </a:r>
           </a:p>
           <a:p>
             <a:pPr lvl="4"/>
             <a:r>
-              <a:rPr lang="pl-PL" smtClean="0"/>
+              <a:rPr lang="pl-PL"/>
               <a:t>Piąty poziom</a:t>
             </a:r>
-            <a:endParaRPr lang="pl-PL"/>
           </a:p>
         </p:txBody>
       </p:sp>
@@ -1176,7 +1174,7 @@
           <a:p>
             <a:fld id="{81AE7918-5EC6-4B52-A426-63415FD61F02}" type="datetimeFigureOut">
               <a:rPr lang="pl-PL" smtClean="0"/>
-              <a:t>30.05.2019</a:t>
+              <a:t>03.06.2019</a:t>
             </a:fld>
             <a:endParaRPr lang="pl-PL"/>
           </a:p>
@@ -1270,10 +1268,9 @@
           <a:lstStyle/>
           <a:p>
             <a:r>
-              <a:rPr lang="pl-PL" smtClean="0"/>
+              <a:rPr lang="pl-PL"/>
               <a:t>Kliknij, aby edytować styl</a:t>
             </a:r>
-            <a:endParaRPr lang="pl-PL"/>
           </a:p>
         </p:txBody>
       </p:sp>
@@ -1294,38 +1291,37 @@
           <a:p>
             <a:pPr lvl="0"/>
             <a:r>
-              <a:rPr lang="pl-PL" smtClean="0"/>
+              <a:rPr lang="pl-PL"/>
               <a:t>Edytuj style wzorca tekstu</a:t>
             </a:r>
           </a:p>
           <a:p>
             <a:pPr lvl="1"/>
             <a:r>
-              <a:rPr lang="pl-PL" smtClean="0"/>
+              <a:rPr lang="pl-PL"/>
               <a:t>Drugi poziom</a:t>
             </a:r>
           </a:p>
           <a:p>
             <a:pPr lvl="2"/>
             <a:r>
-              <a:rPr lang="pl-PL" smtClean="0"/>
+              <a:rPr lang="pl-PL"/>
               <a:t>Trzeci poziom</a:t>
             </a:r>
           </a:p>
           <a:p>
             <a:pPr lvl="3"/>
             <a:r>
-              <a:rPr lang="pl-PL" smtClean="0"/>
+              <a:rPr lang="pl-PL"/>
               <a:t>Czwarty poziom</a:t>
             </a:r>
           </a:p>
           <a:p>
             <a:pPr lvl="4"/>
             <a:r>
-              <a:rPr lang="pl-PL" smtClean="0"/>
+              <a:rPr lang="pl-PL"/>
               <a:t>Piąty poziom</a:t>
             </a:r>
-            <a:endParaRPr lang="pl-PL"/>
           </a:p>
         </p:txBody>
       </p:sp>
@@ -1346,7 +1342,7 @@
           <a:p>
             <a:fld id="{81AE7918-5EC6-4B52-A426-63415FD61F02}" type="datetimeFigureOut">
               <a:rPr lang="pl-PL" smtClean="0"/>
-              <a:t>30.05.2019</a:t>
+              <a:t>03.06.2019</a:t>
             </a:fld>
             <a:endParaRPr lang="pl-PL"/>
           </a:p>
@@ -1449,10 +1445,9 @@
           </a:lstStyle>
           <a:p>
             <a:r>
-              <a:rPr lang="pl-PL" smtClean="0"/>
+              <a:rPr lang="pl-PL"/>
               <a:t>Kliknij, aby edytować styl</a:t>
             </a:r>
-            <a:endParaRPr lang="pl-PL"/>
           </a:p>
         </p:txBody>
       </p:sp>
@@ -1569,7 +1564,7 @@
           <a:p>
             <a:pPr lvl="0"/>
             <a:r>
-              <a:rPr lang="pl-PL" smtClean="0"/>
+              <a:rPr lang="pl-PL"/>
               <a:t>Edytuj style wzorca tekstu</a:t>
             </a:r>
           </a:p>
@@ -1592,7 +1587,7 @@
           <a:p>
             <a:fld id="{81AE7918-5EC6-4B52-A426-63415FD61F02}" type="datetimeFigureOut">
               <a:rPr lang="pl-PL" smtClean="0"/>
-              <a:t>30.05.2019</a:t>
+              <a:t>03.06.2019</a:t>
             </a:fld>
             <a:endParaRPr lang="pl-PL"/>
           </a:p>
@@ -1686,10 +1681,9 @@
           <a:lstStyle/>
           <a:p>
             <a:r>
-              <a:rPr lang="pl-PL" smtClean="0"/>
+              <a:rPr lang="pl-PL"/>
               <a:t>Kliknij, aby edytować styl</a:t>
             </a:r>
-            <a:endParaRPr lang="pl-PL"/>
           </a:p>
         </p:txBody>
       </p:sp>
@@ -1715,38 +1709,37 @@
           <a:p>
             <a:pPr lvl="0"/>
             <a:r>
-              <a:rPr lang="pl-PL" smtClean="0"/>
+              <a:rPr lang="pl-PL"/>
               <a:t>Edytuj style wzorca tekstu</a:t>
             </a:r>
           </a:p>
           <a:p>
             <a:pPr lvl="1"/>
             <a:r>
-              <a:rPr lang="pl-PL" smtClean="0"/>
+              <a:rPr lang="pl-PL"/>
               <a:t>Drugi poziom</a:t>
             </a:r>
           </a:p>
           <a:p>
             <a:pPr lvl="2"/>
             <a:r>
-              <a:rPr lang="pl-PL" smtClean="0"/>
+              <a:rPr lang="pl-PL"/>
               <a:t>Trzeci poziom</a:t>
             </a:r>
           </a:p>
           <a:p>
             <a:pPr lvl="3"/>
             <a:r>
-              <a:rPr lang="pl-PL" smtClean="0"/>
+              <a:rPr lang="pl-PL"/>
               <a:t>Czwarty poziom</a:t>
             </a:r>
           </a:p>
           <a:p>
             <a:pPr lvl="4"/>
             <a:r>
-              <a:rPr lang="pl-PL" smtClean="0"/>
+              <a:rPr lang="pl-PL"/>
               <a:t>Piąty poziom</a:t>
             </a:r>
-            <a:endParaRPr lang="pl-PL"/>
           </a:p>
         </p:txBody>
       </p:sp>
@@ -1772,38 +1765,37 @@
           <a:p>
             <a:pPr lvl="0"/>
             <a:r>
-              <a:rPr lang="pl-PL" smtClean="0"/>
+              <a:rPr lang="pl-PL"/>
               <a:t>Edytuj style wzorca tekstu</a:t>
             </a:r>
           </a:p>
           <a:p>
             <a:pPr lvl="1"/>
             <a:r>
-              <a:rPr lang="pl-PL" smtClean="0"/>
+              <a:rPr lang="pl-PL"/>
               <a:t>Drugi poziom</a:t>
             </a:r>
           </a:p>
           <a:p>
             <a:pPr lvl="2"/>
             <a:r>
-              <a:rPr lang="pl-PL" smtClean="0"/>
+              <a:rPr lang="pl-PL"/>
               <a:t>Trzeci poziom</a:t>
             </a:r>
           </a:p>
           <a:p>
             <a:pPr lvl="3"/>
             <a:r>
-              <a:rPr lang="pl-PL" smtClean="0"/>
+              <a:rPr lang="pl-PL"/>
               <a:t>Czwarty poziom</a:t>
             </a:r>
           </a:p>
           <a:p>
             <a:pPr lvl="4"/>
             <a:r>
-              <a:rPr lang="pl-PL" smtClean="0"/>
+              <a:rPr lang="pl-PL"/>
               <a:t>Piąty poziom</a:t>
             </a:r>
-            <a:endParaRPr lang="pl-PL"/>
           </a:p>
         </p:txBody>
       </p:sp>
@@ -1824,7 +1816,7 @@
           <a:p>
             <a:fld id="{81AE7918-5EC6-4B52-A426-63415FD61F02}" type="datetimeFigureOut">
               <a:rPr lang="pl-PL" smtClean="0"/>
-              <a:t>30.05.2019</a:t>
+              <a:t>03.06.2019</a:t>
             </a:fld>
             <a:endParaRPr lang="pl-PL"/>
           </a:p>
@@ -1923,10 +1915,9 @@
           <a:lstStyle/>
           <a:p>
             <a:r>
-              <a:rPr lang="pl-PL" smtClean="0"/>
+              <a:rPr lang="pl-PL"/>
               <a:t>Kliknij, aby edytować styl</a:t>
             </a:r>
-            <a:endParaRPr lang="pl-PL"/>
           </a:p>
         </p:txBody>
       </p:sp>
@@ -1989,7 +1980,7 @@
           <a:p>
             <a:pPr lvl="0"/>
             <a:r>
-              <a:rPr lang="pl-PL" smtClean="0"/>
+              <a:rPr lang="pl-PL"/>
               <a:t>Edytuj style wzorca tekstu</a:t>
             </a:r>
           </a:p>
@@ -2017,38 +2008,37 @@
           <a:p>
             <a:pPr lvl="0"/>
             <a:r>
-              <a:rPr lang="pl-PL" smtClean="0"/>
+              <a:rPr lang="pl-PL"/>
               <a:t>Edytuj style wzorca tekstu</a:t>
             </a:r>
           </a:p>
           <a:p>
             <a:pPr lvl="1"/>
             <a:r>
-              <a:rPr lang="pl-PL" smtClean="0"/>
+              <a:rPr lang="pl-PL"/>
               <a:t>Drugi poziom</a:t>
             </a:r>
           </a:p>
           <a:p>
             <a:pPr lvl="2"/>
             <a:r>
-              <a:rPr lang="pl-PL" smtClean="0"/>
+              <a:rPr lang="pl-PL"/>
               <a:t>Trzeci poziom</a:t>
             </a:r>
           </a:p>
           <a:p>
             <a:pPr lvl="3"/>
             <a:r>
-              <a:rPr lang="pl-PL" smtClean="0"/>
+              <a:rPr lang="pl-PL"/>
               <a:t>Czwarty poziom</a:t>
             </a:r>
           </a:p>
           <a:p>
             <a:pPr lvl="4"/>
             <a:r>
-              <a:rPr lang="pl-PL" smtClean="0"/>
+              <a:rPr lang="pl-PL"/>
               <a:t>Piąty poziom</a:t>
             </a:r>
-            <a:endParaRPr lang="pl-PL"/>
           </a:p>
         </p:txBody>
       </p:sp>
@@ -2111,7 +2101,7 @@
           <a:p>
             <a:pPr lvl="0"/>
             <a:r>
-              <a:rPr lang="pl-PL" smtClean="0"/>
+              <a:rPr lang="pl-PL"/>
               <a:t>Edytuj style wzorca tekstu</a:t>
             </a:r>
           </a:p>
@@ -2139,38 +2129,37 @@
           <a:p>
             <a:pPr lvl="0"/>
             <a:r>
-              <a:rPr lang="pl-PL" smtClean="0"/>
+              <a:rPr lang="pl-PL"/>
               <a:t>Edytuj style wzorca tekstu</a:t>
             </a:r>
           </a:p>
           <a:p>
             <a:pPr lvl="1"/>
             <a:r>
-              <a:rPr lang="pl-PL" smtClean="0"/>
+              <a:rPr lang="pl-PL"/>
               <a:t>Drugi poziom</a:t>
             </a:r>
           </a:p>
           <a:p>
             <a:pPr lvl="2"/>
             <a:r>
-              <a:rPr lang="pl-PL" smtClean="0"/>
+              <a:rPr lang="pl-PL"/>
               <a:t>Trzeci poziom</a:t>
             </a:r>
           </a:p>
           <a:p>
             <a:pPr lvl="3"/>
             <a:r>
-              <a:rPr lang="pl-PL" smtClean="0"/>
+              <a:rPr lang="pl-PL"/>
               <a:t>Czwarty poziom</a:t>
             </a:r>
           </a:p>
           <a:p>
             <a:pPr lvl="4"/>
             <a:r>
-              <a:rPr lang="pl-PL" smtClean="0"/>
+              <a:rPr lang="pl-PL"/>
               <a:t>Piąty poziom</a:t>
             </a:r>
-            <a:endParaRPr lang="pl-PL"/>
           </a:p>
         </p:txBody>
       </p:sp>
@@ -2191,7 +2180,7 @@
           <a:p>
             <a:fld id="{81AE7918-5EC6-4B52-A426-63415FD61F02}" type="datetimeFigureOut">
               <a:rPr lang="pl-PL" smtClean="0"/>
-              <a:t>30.05.2019</a:t>
+              <a:t>03.06.2019</a:t>
             </a:fld>
             <a:endParaRPr lang="pl-PL"/>
           </a:p>
@@ -2285,10 +2274,9 @@
           <a:lstStyle/>
           <a:p>
             <a:r>
-              <a:rPr lang="pl-PL" smtClean="0"/>
+              <a:rPr lang="pl-PL"/>
               <a:t>Kliknij, aby edytować styl</a:t>
             </a:r>
-            <a:endParaRPr lang="pl-PL"/>
           </a:p>
         </p:txBody>
       </p:sp>
@@ -2309,7 +2297,7 @@
           <a:p>
             <a:fld id="{81AE7918-5EC6-4B52-A426-63415FD61F02}" type="datetimeFigureOut">
               <a:rPr lang="pl-PL" smtClean="0"/>
-              <a:t>30.05.2019</a:t>
+              <a:t>03.06.2019</a:t>
             </a:fld>
             <a:endParaRPr lang="pl-PL"/>
           </a:p>
@@ -2404,7 +2392,7 @@
           <a:p>
             <a:fld id="{81AE7918-5EC6-4B52-A426-63415FD61F02}" type="datetimeFigureOut">
               <a:rPr lang="pl-PL" smtClean="0"/>
-              <a:t>30.05.2019</a:t>
+              <a:t>03.06.2019</a:t>
             </a:fld>
             <a:endParaRPr lang="pl-PL"/>
           </a:p>
@@ -2507,10 +2495,9 @@
           </a:lstStyle>
           <a:p>
             <a:r>
-              <a:rPr lang="pl-PL" smtClean="0"/>
+              <a:rPr lang="pl-PL"/>
               <a:t>Kliknij, aby edytować styl</a:t>
             </a:r>
-            <a:endParaRPr lang="pl-PL"/>
           </a:p>
         </p:txBody>
       </p:sp>
@@ -2564,38 +2551,37 @@
           <a:p>
             <a:pPr lvl="0"/>
             <a:r>
-              <a:rPr lang="pl-PL" smtClean="0"/>
+              <a:rPr lang="pl-PL"/>
               <a:t>Edytuj style wzorca tekstu</a:t>
             </a:r>
           </a:p>
           <a:p>
             <a:pPr lvl="1"/>
             <a:r>
-              <a:rPr lang="pl-PL" smtClean="0"/>
+              <a:rPr lang="pl-PL"/>
               <a:t>Drugi poziom</a:t>
             </a:r>
           </a:p>
           <a:p>
             <a:pPr lvl="2"/>
             <a:r>
-              <a:rPr lang="pl-PL" smtClean="0"/>
+              <a:rPr lang="pl-PL"/>
               <a:t>Trzeci poziom</a:t>
             </a:r>
           </a:p>
           <a:p>
             <a:pPr lvl="3"/>
             <a:r>
-              <a:rPr lang="pl-PL" smtClean="0"/>
+              <a:rPr lang="pl-PL"/>
               <a:t>Czwarty poziom</a:t>
             </a:r>
           </a:p>
           <a:p>
             <a:pPr lvl="4"/>
             <a:r>
-              <a:rPr lang="pl-PL" smtClean="0"/>
+              <a:rPr lang="pl-PL"/>
               <a:t>Piąty poziom</a:t>
             </a:r>
-            <a:endParaRPr lang="pl-PL"/>
           </a:p>
         </p:txBody>
       </p:sp>
@@ -2658,7 +2644,7 @@
           <a:p>
             <a:pPr lvl="0"/>
             <a:r>
-              <a:rPr lang="pl-PL" smtClean="0"/>
+              <a:rPr lang="pl-PL"/>
               <a:t>Edytuj style wzorca tekstu</a:t>
             </a:r>
           </a:p>
@@ -2681,7 +2667,7 @@
           <a:p>
             <a:fld id="{81AE7918-5EC6-4B52-A426-63415FD61F02}" type="datetimeFigureOut">
               <a:rPr lang="pl-PL" smtClean="0"/>
-              <a:t>30.05.2019</a:t>
+              <a:t>03.06.2019</a:t>
             </a:fld>
             <a:endParaRPr lang="pl-PL"/>
           </a:p>
@@ -2784,10 +2770,9 @@
           </a:lstStyle>
           <a:p>
             <a:r>
-              <a:rPr lang="pl-PL" smtClean="0"/>
+              <a:rPr lang="pl-PL"/>
               <a:t>Kliknij, aby edytować styl</a:t>
             </a:r>
-            <a:endParaRPr lang="pl-PL"/>
           </a:p>
         </p:txBody>
       </p:sp>
@@ -2911,7 +2896,7 @@
           <a:p>
             <a:pPr lvl="0"/>
             <a:r>
-              <a:rPr lang="pl-PL" smtClean="0"/>
+              <a:rPr lang="pl-PL"/>
               <a:t>Edytuj style wzorca tekstu</a:t>
             </a:r>
           </a:p>
@@ -2934,7 +2919,7 @@
           <a:p>
             <a:fld id="{81AE7918-5EC6-4B52-A426-63415FD61F02}" type="datetimeFigureOut">
               <a:rPr lang="pl-PL" smtClean="0"/>
-              <a:t>30.05.2019</a:t>
+              <a:t>03.06.2019</a:t>
             </a:fld>
             <a:endParaRPr lang="pl-PL"/>
           </a:p>
@@ -3043,10 +3028,9 @@
           <a:lstStyle/>
           <a:p>
             <a:r>
-              <a:rPr lang="pl-PL" smtClean="0"/>
+              <a:rPr lang="pl-PL"/>
               <a:t>Kliknij, aby edytować styl</a:t>
             </a:r>
-            <a:endParaRPr lang="pl-PL"/>
           </a:p>
         </p:txBody>
       </p:sp>
@@ -3077,38 +3061,37 @@
           <a:p>
             <a:pPr lvl="0"/>
             <a:r>
-              <a:rPr lang="pl-PL" smtClean="0"/>
+              <a:rPr lang="pl-PL"/>
               <a:t>Edytuj style wzorca tekstu</a:t>
             </a:r>
           </a:p>
           <a:p>
             <a:pPr lvl="1"/>
             <a:r>
-              <a:rPr lang="pl-PL" smtClean="0"/>
+              <a:rPr lang="pl-PL"/>
               <a:t>Drugi poziom</a:t>
             </a:r>
           </a:p>
           <a:p>
             <a:pPr lvl="2"/>
             <a:r>
-              <a:rPr lang="pl-PL" smtClean="0"/>
+              <a:rPr lang="pl-PL"/>
               <a:t>Trzeci poziom</a:t>
             </a:r>
           </a:p>
           <a:p>
             <a:pPr lvl="3"/>
             <a:r>
-              <a:rPr lang="pl-PL" smtClean="0"/>
+              <a:rPr lang="pl-PL"/>
               <a:t>Czwarty poziom</a:t>
             </a:r>
           </a:p>
           <a:p>
             <a:pPr lvl="4"/>
             <a:r>
-              <a:rPr lang="pl-PL" smtClean="0"/>
+              <a:rPr lang="pl-PL"/>
               <a:t>Piąty poziom</a:t>
             </a:r>
-            <a:endParaRPr lang="pl-PL"/>
           </a:p>
         </p:txBody>
       </p:sp>
@@ -3147,7 +3130,7 @@
           <a:p>
             <a:fld id="{81AE7918-5EC6-4B52-A426-63415FD61F02}" type="datetimeFigureOut">
               <a:rPr lang="pl-PL" smtClean="0"/>
-              <a:t>30.05.2019</a:t>
+              <a:t>03.06.2019</a:t>
             </a:fld>
             <a:endParaRPr lang="pl-PL"/>
           </a:p>
@@ -3568,22 +3551,21 @@
           <a:lstStyle/>
           <a:p>
             <a:r>
-              <a:rPr lang="pl-PL" dirty="0" err="1" smtClean="0"/>
+              <a:rPr lang="pl-PL" dirty="0" err="1"/>
               <a:t>Deep</a:t>
             </a:r>
             <a:r>
-              <a:rPr lang="pl-PL" dirty="0" smtClean="0"/>
+              <a:rPr lang="pl-PL" dirty="0"/>
               <a:t> </a:t>
             </a:r>
             <a:r>
-              <a:rPr lang="pl-PL" dirty="0" err="1" smtClean="0"/>
+              <a:rPr lang="pl-PL" dirty="0" err="1"/>
               <a:t>Learninng</a:t>
             </a:r>
             <a:r>
-              <a:rPr lang="pl-PL" dirty="0" smtClean="0"/>
+              <a:rPr lang="pl-PL" dirty="0"/>
               <a:t> w 15 min</a:t>
             </a:r>
-            <a:endParaRPr lang="pl-PL" dirty="0"/>
           </a:p>
         </p:txBody>
       </p:sp>
@@ -3605,7 +3587,7 @@
           <a:lstStyle/>
           <a:p>
             <a:r>
-              <a:rPr lang="pl-PL" dirty="0" smtClean="0"/>
+              <a:rPr lang="pl-PL" dirty="0"/>
               <a:t>Od czego zacząć?</a:t>
             </a:r>
           </a:p>
@@ -3613,27 +3595,22 @@
             <a:endParaRPr lang="pl-PL" dirty="0"/>
           </a:p>
           <a:p>
-            <a:endParaRPr lang="pl-PL" dirty="0" smtClean="0"/>
+            <a:endParaRPr lang="pl-PL" dirty="0"/>
           </a:p>
           <a:p>
             <a:pPr algn="r"/>
             <a:r>
               <a:rPr lang="pl-PL" dirty="0"/>
-              <a:t>g</a:t>
-            </a:r>
-            <a:r>
-              <a:rPr lang="pl-PL" dirty="0" smtClean="0"/>
-              <a:t>ithub.com/</a:t>
-            </a:r>
-            <a:r>
-              <a:rPr lang="pl-PL" dirty="0" err="1" smtClean="0"/>
+              <a:t>github.com/</a:t>
+            </a:r>
+            <a:r>
+              <a:rPr lang="pl-PL" dirty="0" err="1"/>
               <a:t>mpomaran</a:t>
             </a:r>
             <a:r>
-              <a:rPr lang="pl-PL" dirty="0" smtClean="0"/>
+              <a:rPr lang="pl-PL" dirty="0"/>
               <a:t>/101-deeplearning</a:t>
             </a:r>
-            <a:endParaRPr lang="pl-PL" dirty="0"/>
           </a:p>
         </p:txBody>
       </p:sp>
@@ -3683,10 +3660,9 @@
           <a:lstStyle/>
           <a:p>
             <a:r>
-              <a:rPr lang="pl-PL" dirty="0" smtClean="0"/>
+              <a:rPr lang="pl-PL" dirty="0"/>
               <a:t>Agenda</a:t>
             </a:r>
-            <a:endParaRPr lang="pl-PL" dirty="0"/>
           </a:p>
         </p:txBody>
       </p:sp>
@@ -3706,25 +3682,25 @@
           <a:lstStyle/>
           <a:p>
             <a:r>
-              <a:rPr lang="pl-PL" dirty="0" smtClean="0"/>
+              <a:rPr lang="pl-PL" dirty="0"/>
               <a:t>Dla kogo</a:t>
             </a:r>
           </a:p>
           <a:p>
             <a:r>
-              <a:rPr lang="pl-PL" dirty="0" smtClean="0"/>
+              <a:rPr lang="pl-PL" dirty="0"/>
               <a:t>Co to sieci neuronowe</a:t>
             </a:r>
           </a:p>
           <a:p>
             <a:r>
-              <a:rPr lang="pl-PL" dirty="0" smtClean="0"/>
+              <a:rPr lang="pl-PL" dirty="0"/>
               <a:t>Moja pierwsza sieć?</a:t>
             </a:r>
           </a:p>
           <a:p>
             <a:r>
-              <a:rPr lang="pl-PL" dirty="0" smtClean="0"/>
+              <a:rPr lang="pl-PL" dirty="0"/>
               <a:t>Co dalej?</a:t>
             </a:r>
           </a:p>
@@ -3743,13 +3719,6 @@
   <p:clrMapOvr>
     <a:masterClrMapping/>
   </p:clrMapOvr>
-  <p:timing>
-    <p:tnLst>
-      <p:par>
-        <p:cTn id="1" dur="indefinite" restart="never" nodeType="tmRoot"/>
-      </p:par>
-    </p:tnLst>
-  </p:timing>
 </p:sld>
 </file>
 
@@ -3792,18 +3761,17 @@
           <a:lstStyle/>
           <a:p>
             <a:r>
-              <a:rPr lang="pl-PL" dirty="0" smtClean="0"/>
+              <a:rPr lang="pl-PL" dirty="0"/>
               <a:t>Gdzie siedzi </a:t>
             </a:r>
             <a:r>
-              <a:rPr lang="pl-PL" dirty="0" err="1" smtClean="0"/>
+              <a:rPr lang="pl-PL" dirty="0" err="1"/>
               <a:t>Deep</a:t>
             </a:r>
             <a:r>
-              <a:rPr lang="pl-PL" dirty="0" smtClean="0"/>
+              <a:rPr lang="pl-PL" dirty="0"/>
               <a:t> Learning</a:t>
             </a:r>
-            <a:endParaRPr lang="pl-PL" dirty="0"/>
           </a:p>
         </p:txBody>
       </p:sp>
@@ -4070,13 +4038,6 @@
   <p:clrMapOvr>
     <a:masterClrMapping/>
   </p:clrMapOvr>
-  <p:timing>
-    <p:tnLst>
-      <p:par>
-        <p:cTn id="1" dur="indefinite" restart="never" nodeType="tmRoot"/>
-      </p:par>
-    </p:tnLst>
-  </p:timing>
 </p:sld>
 </file>
 
@@ -4113,49 +4074,48 @@
           <a:lstStyle/>
           <a:p>
             <a:r>
-              <a:rPr lang="pl-PL" dirty="0" smtClean="0"/>
+              <a:rPr lang="pl-PL" dirty="0"/>
               <a:t>Dla kogo</a:t>
             </a:r>
+          </a:p>
+        </p:txBody>
+      </p:sp>
+      <p:sp>
+        <p:nvSpPr>
+          <p:cNvPr id="3" name="Symbol zastępczy zawartości 2"/>
+          <p:cNvSpPr>
+            <a:spLocks noGrp="1"/>
+          </p:cNvSpPr>
+          <p:nvPr>
+            <p:ph idx="1"/>
+          </p:nvPr>
+        </p:nvSpPr>
+        <p:spPr/>
+        <p:txBody>
+          <a:bodyPr/>
+          <a:lstStyle/>
+          <a:p>
+            <a:r>
+              <a:rPr lang="pl-PL" dirty="0"/>
+              <a:t>Myślisz, że </a:t>
+            </a:r>
+            <a:r>
+              <a:rPr lang="pl-PL" dirty="0" err="1"/>
+              <a:t>Deep</a:t>
+            </a:r>
+            <a:r>
+              <a:rPr lang="pl-PL" dirty="0"/>
+              <a:t> Learning to magia i tylko istoty wyższe mogą to zrozumieć</a:t>
+            </a:r>
+          </a:p>
+          <a:p>
+            <a:r>
+              <a:rPr lang="pl-PL" dirty="0"/>
+              <a:t>Ciekawość jest, ale od czego zacząć?</a:t>
+            </a:r>
+          </a:p>
+          <a:p>
             <a:endParaRPr lang="pl-PL" dirty="0"/>
-          </a:p>
-        </p:txBody>
-      </p:sp>
-      <p:sp>
-        <p:nvSpPr>
-          <p:cNvPr id="3" name="Symbol zastępczy zawartości 2"/>
-          <p:cNvSpPr>
-            <a:spLocks noGrp="1"/>
-          </p:cNvSpPr>
-          <p:nvPr>
-            <p:ph idx="1"/>
-          </p:nvPr>
-        </p:nvSpPr>
-        <p:spPr/>
-        <p:txBody>
-          <a:bodyPr/>
-          <a:lstStyle/>
-          <a:p>
-            <a:r>
-              <a:rPr lang="pl-PL" dirty="0" smtClean="0"/>
-              <a:t>Myślisz, że </a:t>
-            </a:r>
-            <a:r>
-              <a:rPr lang="pl-PL" dirty="0" err="1" smtClean="0"/>
-              <a:t>Deep</a:t>
-            </a:r>
-            <a:r>
-              <a:rPr lang="pl-PL" dirty="0" smtClean="0"/>
-              <a:t> Learning to magia i tylko istoty wyższe mogą to zrozumieć</a:t>
-            </a:r>
-          </a:p>
-          <a:p>
-            <a:r>
-              <a:rPr lang="pl-PL" dirty="0" smtClean="0"/>
-              <a:t>Ciekawość jest, ale od czego zacząć?</a:t>
-            </a:r>
-          </a:p>
-          <a:p>
-            <a:endParaRPr lang="pl-PL" dirty="0" smtClean="0"/>
           </a:p>
           <a:p>
             <a:endParaRPr lang="pl-PL" dirty="0"/>
@@ -4209,7 +4169,7 @@
           <a:lstStyle/>
           <a:p>
             <a:r>
-              <a:rPr lang="pl-PL" dirty="0" smtClean="0">
+              <a:rPr lang="pl-PL" dirty="0">
                 <a:hlinkClick r:id="rId4"/>
               </a:rPr>
               <a:t>https://becominghuman.ai/deep-learning-made-easy-with-deep-cognition-403fbe445351</a:t>
@@ -4228,13 +4188,6 @@
   <p:clrMapOvr>
     <a:masterClrMapping/>
   </p:clrMapOvr>
-  <p:timing>
-    <p:tnLst>
-      <p:par>
-        <p:cTn id="1" dur="indefinite" restart="never" nodeType="tmRoot"/>
-      </p:par>
-    </p:tnLst>
-  </p:timing>
 </p:sld>
 </file>
 
@@ -4271,10 +4224,9 @@
           <a:lstStyle/>
           <a:p>
             <a:r>
-              <a:rPr lang="pl-PL" dirty="0" smtClean="0"/>
+              <a:rPr lang="pl-PL" dirty="0"/>
               <a:t>Głębokie sieci neuronowe</a:t>
             </a:r>
-            <a:endParaRPr lang="pl-PL" dirty="0"/>
           </a:p>
         </p:txBody>
       </p:sp>
@@ -4349,39 +4301,39 @@
           <a:lstStyle/>
           <a:p>
             <a:r>
-              <a:rPr lang="pl-PL" dirty="0" smtClean="0">
+              <a:rPr lang="pl-PL" dirty="0">
                 <a:hlinkClick r:id="rId5"/>
               </a:rPr>
               <a:t>https://mapr.com/blog/demystifying-ai-ml-dl/</a:t>
             </a:r>
-            <a:endParaRPr lang="pl-PL" dirty="0" smtClean="0"/>
-          </a:p>
-          <a:p>
-            <a:r>
-              <a:rPr lang="pl-PL" dirty="0" smtClean="0">
+            <a:endParaRPr lang="pl-PL" dirty="0"/>
+          </a:p>
+          <a:p>
+            <a:r>
+              <a:rPr lang="pl-PL" dirty="0">
                 <a:hlinkClick r:id="rId6"/>
               </a:rPr>
               <a:t>https://en.wikipedia.org/wiki/Perceptron</a:t>
             </a:r>
             <a:r>
-              <a:rPr lang="pl-PL" dirty="0" smtClean="0"/>
+              <a:rPr lang="pl-PL" dirty="0"/>
               <a:t>, </a:t>
             </a:r>
             <a:r>
-              <a:rPr lang="pl-PL" dirty="0" smtClean="0">
+              <a:rPr lang="pl-PL" dirty="0">
                 <a:hlinkClick r:id="rId7"/>
               </a:rPr>
               <a:t>https://en.wikipedia.org/wiki/Activation_function</a:t>
             </a:r>
-            <a:endParaRPr lang="pl-PL" dirty="0" smtClean="0"/>
-          </a:p>
-          <a:p>
             <a:endParaRPr lang="pl-PL" dirty="0"/>
           </a:p>
-        </p:txBody>
-      </p:sp>
-      <mc:AlternateContent xmlns:mc="http://schemas.openxmlformats.org/markup-compatibility/2006">
-        <mc:Choice xmlns:a14="http://schemas.microsoft.com/office/drawing/2010/main" Requires="a14">
+          <a:p>
+            <a:endParaRPr lang="pl-PL" dirty="0"/>
+          </a:p>
+        </p:txBody>
+      </p:sp>
+      <mc:AlternateContent xmlns:mc="http://schemas.openxmlformats.org/markup-compatibility/2006" xmlns:a14="http://schemas.microsoft.com/office/drawing/2010/main">
+        <mc:Choice Requires="a14">
           <p:sp>
             <p:nvSpPr>
               <p:cNvPr id="9" name="pole tekstowe 8"/>
@@ -4404,6 +4356,7 @@
               </a:bodyPr>
               <a:lstStyle/>
               <a:p>
+                <a:pPr/>
                 <a14:m>
                   <m:oMathPara xmlns:m="http://schemas.openxmlformats.org/officeDocument/2006/math">
                     <m:oMathParaPr>
@@ -4551,7 +4504,7 @@
             </p:txBody>
           </p:sp>
         </mc:Choice>
-        <mc:Fallback>
+        <mc:Fallback xmlns="">
           <p:sp>
             <p:nvSpPr>
               <p:cNvPr id="9" name="pole tekstowe 8"/>
@@ -4684,13 +4637,6 @@
   <p:clrMapOvr>
     <a:masterClrMapping/>
   </p:clrMapOvr>
-  <p:timing>
-    <p:tnLst>
-      <p:par>
-        <p:cTn id="1" dur="indefinite" restart="never" nodeType="tmRoot"/>
-      </p:par>
-    </p:tnLst>
-  </p:timing>
 </p:sld>
 </file>
 
@@ -4727,65 +4673,64 @@
           <a:lstStyle/>
           <a:p>
             <a:r>
-              <a:rPr lang="pl-PL" dirty="0" smtClean="0"/>
+              <a:rPr lang="pl-PL" dirty="0"/>
               <a:t>Jakie narzędzia</a:t>
             </a:r>
+          </a:p>
+        </p:txBody>
+      </p:sp>
+      <p:sp>
+        <p:nvSpPr>
+          <p:cNvPr id="3" name="Symbol zastępczy zawartości 2"/>
+          <p:cNvSpPr>
+            <a:spLocks noGrp="1"/>
+          </p:cNvSpPr>
+          <p:nvPr>
+            <p:ph idx="1"/>
+          </p:nvPr>
+        </p:nvSpPr>
+        <p:spPr/>
+        <p:txBody>
+          <a:bodyPr/>
+          <a:lstStyle/>
+          <a:p>
+            <a:pPr marL="0" indent="0">
+              <a:buNone/>
+            </a:pPr>
+            <a:r>
+              <a:rPr lang="pl-PL" dirty="0"/>
+              <a:t>W tym przykładzie zastosowałem:</a:t>
+            </a:r>
+          </a:p>
+          <a:p>
+            <a:pPr marL="0" indent="0">
+              <a:buNone/>
+            </a:pPr>
             <a:endParaRPr lang="pl-PL" dirty="0"/>
           </a:p>
-        </p:txBody>
-      </p:sp>
-      <p:sp>
-        <p:nvSpPr>
-          <p:cNvPr id="3" name="Symbol zastępczy zawartości 2"/>
-          <p:cNvSpPr>
-            <a:spLocks noGrp="1"/>
-          </p:cNvSpPr>
-          <p:nvPr>
-            <p:ph idx="1"/>
-          </p:nvPr>
-        </p:nvSpPr>
-        <p:spPr/>
-        <p:txBody>
-          <a:bodyPr/>
-          <a:lstStyle/>
-          <a:p>
-            <a:pPr marL="0" indent="0">
-              <a:buNone/>
-            </a:pPr>
-            <a:r>
-              <a:rPr lang="pl-PL" dirty="0" smtClean="0"/>
-              <a:t>W tym przykładzie zastosowałem:</a:t>
-            </a:r>
-          </a:p>
-          <a:p>
-            <a:pPr marL="0" indent="0">
-              <a:buNone/>
-            </a:pPr>
-            <a:endParaRPr lang="pl-PL" dirty="0" smtClean="0"/>
-          </a:p>
-          <a:p>
-            <a:r>
-              <a:rPr lang="pl-PL" dirty="0" err="1" smtClean="0"/>
+          <a:p>
+            <a:r>
+              <a:rPr lang="pl-PL" dirty="0" err="1"/>
               <a:t>Python</a:t>
             </a:r>
             <a:r>
-              <a:rPr lang="pl-PL" dirty="0" smtClean="0"/>
+              <a:rPr lang="pl-PL" dirty="0"/>
               <a:t> (3.6.8)</a:t>
             </a:r>
           </a:p>
           <a:p>
             <a:r>
-              <a:rPr lang="pl-PL" dirty="0" err="1" smtClean="0"/>
+              <a:rPr lang="pl-PL" dirty="0" err="1"/>
               <a:t>Keras</a:t>
             </a:r>
-            <a:endParaRPr lang="pl-PL" dirty="0" smtClean="0"/>
-          </a:p>
-          <a:p>
-            <a:r>
-              <a:rPr lang="pl-PL" dirty="0" err="1" smtClean="0"/>
+            <a:endParaRPr lang="pl-PL" dirty="0"/>
+          </a:p>
+          <a:p>
+            <a:r>
+              <a:rPr lang="pl-PL" dirty="0" err="1"/>
               <a:t>TensorFlow</a:t>
             </a:r>
-            <a:endParaRPr lang="pl-PL" dirty="0" smtClean="0"/>
+            <a:endParaRPr lang="pl-PL" dirty="0"/>
           </a:p>
           <a:p>
             <a:pPr marL="0" indent="0">
@@ -4805,13 +4750,6 @@
   <p:clrMapOvr>
     <a:masterClrMapping/>
   </p:clrMapOvr>
-  <p:timing>
-    <p:tnLst>
-      <p:par>
-        <p:cTn id="1" dur="indefinite" restart="never" nodeType="tmRoot"/>
-      </p:par>
-    </p:tnLst>
-  </p:timing>
 </p:sld>
 </file>
 
@@ -4854,7 +4792,7 @@
           <a:lstStyle/>
           <a:p>
             <a:r>
-              <a:rPr lang="pl-PL" smtClean="0"/>
+              <a:rPr lang="pl-PL"/>
               <a:t>Jak zainstalować</a:t>
             </a:r>
             <a:endParaRPr lang="pl-PL" dirty="0"/>
@@ -4930,14 +4868,6 @@
               <a:rPr lang="en-US" dirty="0" err="1"/>
               <a:t>tensorflow</a:t>
             </a:r>
-            <a:r>
-              <a:rPr lang="pl-PL" dirty="0"/>
-              <a:t> #albo </a:t>
-            </a:r>
-            <a:r>
-              <a:rPr lang="pl-PL" dirty="0" err="1"/>
-              <a:t>tensorflow-gpu</a:t>
-            </a:r>
             <a:endParaRPr lang="pl-PL" dirty="0"/>
           </a:p>
           <a:p>
@@ -4986,6 +4916,28 @@
               <a:rPr lang="pl-PL" dirty="0"/>
               <a:t>==1.16.2</a:t>
             </a:r>
+          </a:p>
+          <a:p>
+            <a:pPr marL="457200" lvl="1" indent="0">
+              <a:buNone/>
+            </a:pPr>
+            <a:r>
+              <a:rPr lang="pl-PL" dirty="0"/>
+              <a:t>PS&gt; pip3 </a:t>
+            </a:r>
+            <a:r>
+              <a:rPr lang="pl-PL" dirty="0" err="1"/>
+              <a:t>install</a:t>
+            </a:r>
+            <a:r>
+              <a:rPr lang="pl-PL" dirty="0"/>
+              <a:t> </a:t>
+            </a:r>
+            <a:r>
+              <a:rPr lang="pl-PL" dirty="0" err="1"/>
+              <a:t>matplotlib</a:t>
+            </a:r>
+            <a:endParaRPr lang="pl-PL" dirty="0"/>
           </a:p>
           <a:p>
             <a:pPr marL="457200" lvl="1" indent="0">
@@ -5066,13 +5018,6 @@
   <p:clrMapOvr>
     <a:masterClrMapping/>
   </p:clrMapOvr>
-  <p:timing>
-    <p:tnLst>
-      <p:par>
-        <p:cTn id="1" dur="indefinite" restart="never" nodeType="tmRoot"/>
-      </p:par>
-    </p:tnLst>
-  </p:timing>
 </p:sld>
 </file>
 
@@ -5109,10 +5054,9 @@
           <a:lstStyle/>
           <a:p>
             <a:r>
-              <a:rPr lang="pl-PL" dirty="0" smtClean="0"/>
+              <a:rPr lang="pl-PL" dirty="0"/>
               <a:t>Co dalej</a:t>
             </a:r>
-            <a:endParaRPr lang="pl-PL" dirty="0"/>
           </a:p>
         </p:txBody>
       </p:sp>
@@ -5134,63 +5078,62 @@
           <a:lstStyle/>
           <a:p>
             <a:r>
-              <a:rPr lang="pl-PL" dirty="0" smtClean="0"/>
+              <a:rPr lang="pl-PL" dirty="0"/>
               <a:t>Google</a:t>
             </a:r>
           </a:p>
           <a:p>
-            <a:endParaRPr lang="pl-PL" dirty="0" smtClean="0"/>
-          </a:p>
-          <a:p>
-            <a:r>
-              <a:rPr lang="pl-PL" dirty="0" smtClean="0"/>
+            <a:endParaRPr lang="pl-PL" dirty="0"/>
+          </a:p>
+          <a:p>
+            <a:r>
+              <a:rPr lang="pl-PL" dirty="0"/>
               <a:t>Wiki</a:t>
             </a:r>
           </a:p>
           <a:p>
-            <a:endParaRPr lang="pl-PL" dirty="0" smtClean="0"/>
-          </a:p>
-          <a:p>
-            <a:r>
-              <a:rPr lang="pl-PL" dirty="0" smtClean="0"/>
+            <a:endParaRPr lang="pl-PL" dirty="0"/>
+          </a:p>
+          <a:p>
+            <a:r>
+              <a:rPr lang="pl-PL" dirty="0"/>
               <a:t>Uczelnie, np. </a:t>
             </a:r>
             <a:r>
-              <a:rPr lang="pl-PL" dirty="0" smtClean="0">
+              <a:rPr lang="pl-PL" dirty="0">
                 <a:hlinkClick r:id="rId2"/>
               </a:rPr>
               <a:t>https://www.coursera.org/specializations/deep-learning</a:t>
             </a:r>
-            <a:endParaRPr lang="pl-PL" dirty="0" smtClean="0"/>
-          </a:p>
-          <a:p>
-            <a:r>
-              <a:rPr lang="pl-PL" dirty="0" smtClean="0">
+            <a:endParaRPr lang="pl-PL" dirty="0"/>
+          </a:p>
+          <a:p>
+            <a:r>
+              <a:rPr lang="pl-PL" dirty="0">
                 <a:hlinkClick r:id="rId3"/>
               </a:rPr>
               <a:t>https://scholar.google.pl/</a:t>
             </a:r>
             <a:r>
-              <a:rPr lang="pl-PL" dirty="0" smtClean="0"/>
+              <a:rPr lang="pl-PL" dirty="0"/>
               <a:t>, np. </a:t>
             </a:r>
             <a:r>
-              <a:rPr lang="pl-PL" dirty="0" smtClean="0">
+              <a:rPr lang="pl-PL" dirty="0">
                 <a:hlinkClick r:id="rId4"/>
               </a:rPr>
               <a:t>https://scholar.google.pl/scholar?hl=pl&amp;as_sdt=0%2C5&amp;q=Learning+while+searching+in+constraint-satisfaction+problems&amp;btnG=</a:t>
             </a:r>
-            <a:endParaRPr lang="pl-PL" dirty="0" smtClean="0"/>
-          </a:p>
-          <a:p>
-            <a:endParaRPr lang="pl-PL" dirty="0" smtClean="0"/>
-          </a:p>
-          <a:p>
-            <a:r>
-              <a:rPr lang="pl-PL" dirty="0" smtClean="0"/>
+            <a:endParaRPr lang="pl-PL" dirty="0"/>
+          </a:p>
+          <a:p>
+            <a:endParaRPr lang="pl-PL" dirty="0"/>
+          </a:p>
+          <a:p>
+            <a:r>
+              <a:rPr lang="pl-PL" dirty="0"/>
               <a:t>Amazon</a:t>
             </a:r>
-            <a:endParaRPr lang="pl-PL" dirty="0"/>
           </a:p>
         </p:txBody>
       </p:sp>
@@ -5204,13 +5147,6 @@
   <p:clrMapOvr>
     <a:masterClrMapping/>
   </p:clrMapOvr>
-  <p:timing>
-    <p:tnLst>
-      <p:par>
-        <p:cTn id="1" dur="indefinite" restart="never" nodeType="tmRoot"/>
-      </p:par>
-    </p:tnLst>
-  </p:timing>
 </p:sld>
 </file>
 
